--- a/ppt/tree.pptx
+++ b/ppt/tree.pptx
@@ -5,7 +5,7 @@
     <p:sldMasterId id="2147483648" r:id="rId1"/>
   </p:sldMasterIdLst>
   <p:notesMasterIdLst>
-    <p:notesMasterId r:id="rId30"/>
+    <p:notesMasterId r:id="rId31"/>
   </p:notesMasterIdLst>
   <p:sldIdLst>
     <p:sldId id="256" r:id="rId2"/>
@@ -36,6 +36,7 @@
     <p:sldId id="281" r:id="rId27"/>
     <p:sldId id="282" r:id="rId28"/>
     <p:sldId id="283" r:id="rId29"/>
+    <p:sldId id="284" r:id="rId30"/>
   </p:sldIdLst>
   <p:sldSz cx="12192000" cy="6858000"/>
   <p:notesSz cx="6858000" cy="9144000"/>
@@ -28604,11 +28605,7 @@
             </a:r>
             <a:r>
               <a:rPr lang="en-US" altLang="zh-CN" sz="3200" dirty="0" smtClean="0"/>
-              <a:t>  </a:t>
-            </a:r>
-            <a:r>
-              <a:rPr lang="en-US" altLang="zh-CN" sz="3200" dirty="0" smtClean="0"/>
-              <a:t>e</a:t>
+              <a:t>  e</a:t>
             </a:r>
             <a:endParaRPr lang="zh-CN" altLang="en-US" sz="3200" dirty="0"/>
           </a:p>
@@ -28785,15 +28782,7 @@
             <a:pPr algn="ctr"/>
             <a:r>
               <a:rPr lang="en-US" altLang="zh-CN" sz="3200" dirty="0" smtClean="0"/>
-              <a:t>a</a:t>
-            </a:r>
-            <a:r>
-              <a:rPr lang="en-US" altLang="zh-CN" sz="3200" dirty="0" smtClean="0"/>
-              <a:t>  </a:t>
-            </a:r>
-            <a:r>
-              <a:rPr lang="en-US" altLang="zh-CN" sz="3200" dirty="0" smtClean="0"/>
-              <a:t>b</a:t>
+              <a:t>a  b</a:t>
             </a:r>
             <a:endParaRPr lang="zh-CN" altLang="en-US" sz="3200" dirty="0"/>
           </a:p>
@@ -37756,6 +37745,1275 @@
 </p:sld>
 </file>
 
+<file path=ppt/slides/slide29.xml><?xml version="1.0" encoding="utf-8"?>
+<p:sld xmlns:a="http://schemas.openxmlformats.org/drawingml/2006/main" xmlns:r="http://schemas.openxmlformats.org/officeDocument/2006/relationships" xmlns:p="http://schemas.openxmlformats.org/presentationml/2006/main">
+  <p:cSld>
+    <p:spTree>
+      <p:nvGrpSpPr>
+        <p:cNvPr id="1" name=""/>
+        <p:cNvGrpSpPr/>
+        <p:nvPr/>
+      </p:nvGrpSpPr>
+      <p:grpSpPr>
+        <a:xfrm>
+          <a:off x="0" y="0"/>
+          <a:ext cx="0" cy="0"/>
+          <a:chOff x="0" y="0"/>
+          <a:chExt cx="0" cy="0"/>
+        </a:xfrm>
+      </p:grpSpPr>
+      <p:sp>
+        <p:nvSpPr>
+          <p:cNvPr id="4" name="椭圆 3"/>
+          <p:cNvSpPr/>
+          <p:nvPr/>
+        </p:nvSpPr>
+        <p:spPr>
+          <a:xfrm>
+            <a:off x="5311251" y="1119115"/>
+            <a:ext cx="791571" cy="791571"/>
+          </a:xfrm>
+          <a:prstGeom prst="ellipse">
+            <a:avLst/>
+          </a:prstGeom>
+          <a:solidFill>
+            <a:schemeClr val="tx2">
+              <a:lumMod val="50000"/>
+            </a:schemeClr>
+          </a:solidFill>
+          <a:ln>
+            <a:noFill/>
+          </a:ln>
+        </p:spPr>
+        <p:style>
+          <a:lnRef idx="2">
+            <a:schemeClr val="accent1">
+              <a:shade val="50000"/>
+            </a:schemeClr>
+          </a:lnRef>
+          <a:fillRef idx="1">
+            <a:schemeClr val="accent1"/>
+          </a:fillRef>
+          <a:effectRef idx="0">
+            <a:schemeClr val="accent1"/>
+          </a:effectRef>
+          <a:fontRef idx="minor">
+            <a:schemeClr val="lt1"/>
+          </a:fontRef>
+        </p:style>
+        <p:txBody>
+          <a:bodyPr rtlCol="0" anchor="ctr"/>
+          <a:lstStyle/>
+          <a:p>
+            <a:pPr algn="ctr"/>
+            <a:r>
+              <a:rPr lang="en-US" altLang="zh-CN" sz="3600" dirty="0" smtClean="0">
+                <a:latin typeface="Times New Roman" panose="02020603050405020304" pitchFamily="18" charset="0"/>
+                <a:cs typeface="Times New Roman" panose="02020603050405020304" pitchFamily="18" charset="0"/>
+              </a:rPr>
+              <a:t>5</a:t>
+            </a:r>
+            <a:endParaRPr lang="zh-CN" altLang="en-US" sz="3600" dirty="0">
+              <a:latin typeface="Times New Roman" panose="02020603050405020304" pitchFamily="18" charset="0"/>
+              <a:cs typeface="Times New Roman" panose="02020603050405020304" pitchFamily="18" charset="0"/>
+            </a:endParaRPr>
+          </a:p>
+        </p:txBody>
+      </p:sp>
+      <p:sp>
+        <p:nvSpPr>
+          <p:cNvPr id="5" name="椭圆 4"/>
+          <p:cNvSpPr/>
+          <p:nvPr/>
+        </p:nvSpPr>
+        <p:spPr>
+          <a:xfrm>
+            <a:off x="4123895" y="2486167"/>
+            <a:ext cx="791571" cy="791571"/>
+          </a:xfrm>
+          <a:prstGeom prst="ellipse">
+            <a:avLst/>
+          </a:prstGeom>
+          <a:solidFill>
+            <a:schemeClr val="tx2">
+              <a:lumMod val="50000"/>
+            </a:schemeClr>
+          </a:solidFill>
+          <a:ln>
+            <a:noFill/>
+          </a:ln>
+        </p:spPr>
+        <p:style>
+          <a:lnRef idx="2">
+            <a:schemeClr val="accent1">
+              <a:shade val="50000"/>
+            </a:schemeClr>
+          </a:lnRef>
+          <a:fillRef idx="1">
+            <a:schemeClr val="accent1"/>
+          </a:fillRef>
+          <a:effectRef idx="0">
+            <a:schemeClr val="accent1"/>
+          </a:effectRef>
+          <a:fontRef idx="minor">
+            <a:schemeClr val="lt1"/>
+          </a:fontRef>
+        </p:style>
+        <p:txBody>
+          <a:bodyPr rtlCol="0" anchor="ctr"/>
+          <a:lstStyle/>
+          <a:p>
+            <a:pPr algn="ctr"/>
+            <a:r>
+              <a:rPr lang="en-US" altLang="zh-CN" sz="3600" dirty="0" smtClean="0">
+                <a:latin typeface="Times New Roman" panose="02020603050405020304" pitchFamily="18" charset="0"/>
+                <a:cs typeface="Times New Roman" panose="02020603050405020304" pitchFamily="18" charset="0"/>
+              </a:rPr>
+              <a:t>2</a:t>
+            </a:r>
+            <a:endParaRPr lang="zh-CN" altLang="en-US" sz="3600" dirty="0">
+              <a:latin typeface="Times New Roman" panose="02020603050405020304" pitchFamily="18" charset="0"/>
+              <a:cs typeface="Times New Roman" panose="02020603050405020304" pitchFamily="18" charset="0"/>
+            </a:endParaRPr>
+          </a:p>
+        </p:txBody>
+      </p:sp>
+      <p:sp>
+        <p:nvSpPr>
+          <p:cNvPr id="6" name="椭圆 5"/>
+          <p:cNvSpPr/>
+          <p:nvPr/>
+        </p:nvSpPr>
+        <p:spPr>
+          <a:xfrm>
+            <a:off x="6400754" y="2486166"/>
+            <a:ext cx="791571" cy="791571"/>
+          </a:xfrm>
+          <a:prstGeom prst="ellipse">
+            <a:avLst/>
+          </a:prstGeom>
+          <a:solidFill>
+            <a:schemeClr val="tx2">
+              <a:lumMod val="50000"/>
+            </a:schemeClr>
+          </a:solidFill>
+          <a:ln>
+            <a:noFill/>
+          </a:ln>
+        </p:spPr>
+        <p:style>
+          <a:lnRef idx="2">
+            <a:schemeClr val="accent1">
+              <a:shade val="50000"/>
+            </a:schemeClr>
+          </a:lnRef>
+          <a:fillRef idx="1">
+            <a:schemeClr val="accent1"/>
+          </a:fillRef>
+          <a:effectRef idx="0">
+            <a:schemeClr val="accent1"/>
+          </a:effectRef>
+          <a:fontRef idx="minor">
+            <a:schemeClr val="lt1"/>
+          </a:fontRef>
+        </p:style>
+        <p:txBody>
+          <a:bodyPr rtlCol="0" anchor="ctr"/>
+          <a:lstStyle/>
+          <a:p>
+            <a:pPr algn="ctr"/>
+            <a:r>
+              <a:rPr lang="en-US" altLang="zh-CN" sz="3600" dirty="0" smtClean="0">
+                <a:latin typeface="Times New Roman" panose="02020603050405020304" pitchFamily="18" charset="0"/>
+                <a:cs typeface="Times New Roman" panose="02020603050405020304" pitchFamily="18" charset="0"/>
+              </a:rPr>
+              <a:t>7</a:t>
+            </a:r>
+            <a:endParaRPr lang="zh-CN" altLang="en-US" sz="3600" dirty="0">
+              <a:latin typeface="Times New Roman" panose="02020603050405020304" pitchFamily="18" charset="0"/>
+              <a:cs typeface="Times New Roman" panose="02020603050405020304" pitchFamily="18" charset="0"/>
+            </a:endParaRPr>
+          </a:p>
+        </p:txBody>
+      </p:sp>
+      <p:sp>
+        <p:nvSpPr>
+          <p:cNvPr id="7" name="椭圆 6"/>
+          <p:cNvSpPr/>
+          <p:nvPr/>
+        </p:nvSpPr>
+        <p:spPr>
+          <a:xfrm>
+            <a:off x="3332324" y="3971497"/>
+            <a:ext cx="791571" cy="791571"/>
+          </a:xfrm>
+          <a:prstGeom prst="ellipse">
+            <a:avLst/>
+          </a:prstGeom>
+          <a:solidFill>
+            <a:schemeClr val="tx2">
+              <a:lumMod val="50000"/>
+            </a:schemeClr>
+          </a:solidFill>
+          <a:ln>
+            <a:noFill/>
+          </a:ln>
+        </p:spPr>
+        <p:style>
+          <a:lnRef idx="2">
+            <a:schemeClr val="accent1">
+              <a:shade val="50000"/>
+            </a:schemeClr>
+          </a:lnRef>
+          <a:fillRef idx="1">
+            <a:schemeClr val="accent1"/>
+          </a:fillRef>
+          <a:effectRef idx="0">
+            <a:schemeClr val="accent1"/>
+          </a:effectRef>
+          <a:fontRef idx="minor">
+            <a:schemeClr val="lt1"/>
+          </a:fontRef>
+        </p:style>
+        <p:txBody>
+          <a:bodyPr rtlCol="0" anchor="ctr"/>
+          <a:lstStyle/>
+          <a:p>
+            <a:pPr algn="ctr"/>
+            <a:r>
+              <a:rPr lang="en-US" altLang="zh-CN" sz="3600" dirty="0" smtClean="0">
+                <a:latin typeface="Times New Roman" panose="02020603050405020304" pitchFamily="18" charset="0"/>
+                <a:cs typeface="Times New Roman" panose="02020603050405020304" pitchFamily="18" charset="0"/>
+              </a:rPr>
+              <a:t>1</a:t>
+            </a:r>
+            <a:endParaRPr lang="zh-CN" altLang="en-US" sz="3600" dirty="0">
+              <a:latin typeface="Times New Roman" panose="02020603050405020304" pitchFamily="18" charset="0"/>
+              <a:cs typeface="Times New Roman" panose="02020603050405020304" pitchFamily="18" charset="0"/>
+            </a:endParaRPr>
+          </a:p>
+        </p:txBody>
+      </p:sp>
+      <p:sp>
+        <p:nvSpPr>
+          <p:cNvPr id="8" name="椭圆 7"/>
+          <p:cNvSpPr/>
+          <p:nvPr/>
+        </p:nvSpPr>
+        <p:spPr>
+          <a:xfrm>
+            <a:off x="4915466" y="3971497"/>
+            <a:ext cx="791571" cy="791571"/>
+          </a:xfrm>
+          <a:prstGeom prst="ellipse">
+            <a:avLst/>
+          </a:prstGeom>
+          <a:solidFill>
+            <a:schemeClr val="tx2">
+              <a:lumMod val="50000"/>
+            </a:schemeClr>
+          </a:solidFill>
+          <a:ln>
+            <a:noFill/>
+          </a:ln>
+        </p:spPr>
+        <p:style>
+          <a:lnRef idx="2">
+            <a:schemeClr val="accent1">
+              <a:shade val="50000"/>
+            </a:schemeClr>
+          </a:lnRef>
+          <a:fillRef idx="1">
+            <a:schemeClr val="accent1"/>
+          </a:fillRef>
+          <a:effectRef idx="0">
+            <a:schemeClr val="accent1"/>
+          </a:effectRef>
+          <a:fontRef idx="minor">
+            <a:schemeClr val="lt1"/>
+          </a:fontRef>
+        </p:style>
+        <p:txBody>
+          <a:bodyPr rtlCol="0" anchor="ctr"/>
+          <a:lstStyle/>
+          <a:p>
+            <a:pPr algn="ctr"/>
+            <a:r>
+              <a:rPr lang="en-US" altLang="zh-CN" sz="3600" dirty="0" smtClean="0">
+                <a:latin typeface="Times New Roman" panose="02020603050405020304" pitchFamily="18" charset="0"/>
+                <a:cs typeface="Times New Roman" panose="02020603050405020304" pitchFamily="18" charset="0"/>
+              </a:rPr>
+              <a:t>3</a:t>
+            </a:r>
+            <a:endParaRPr lang="zh-CN" altLang="en-US" sz="3600" dirty="0">
+              <a:latin typeface="Times New Roman" panose="02020603050405020304" pitchFamily="18" charset="0"/>
+              <a:cs typeface="Times New Roman" panose="02020603050405020304" pitchFamily="18" charset="0"/>
+            </a:endParaRPr>
+          </a:p>
+        </p:txBody>
+      </p:sp>
+      <p:sp>
+        <p:nvSpPr>
+          <p:cNvPr id="9" name="椭圆 8"/>
+          <p:cNvSpPr/>
+          <p:nvPr/>
+        </p:nvSpPr>
+        <p:spPr>
+          <a:xfrm>
+            <a:off x="5802570" y="3971497"/>
+            <a:ext cx="791571" cy="791571"/>
+          </a:xfrm>
+          <a:prstGeom prst="ellipse">
+            <a:avLst/>
+          </a:prstGeom>
+          <a:solidFill>
+            <a:schemeClr val="tx2">
+              <a:lumMod val="50000"/>
+            </a:schemeClr>
+          </a:solidFill>
+          <a:ln>
+            <a:noFill/>
+          </a:ln>
+        </p:spPr>
+        <p:style>
+          <a:lnRef idx="2">
+            <a:schemeClr val="accent1">
+              <a:shade val="50000"/>
+            </a:schemeClr>
+          </a:lnRef>
+          <a:fillRef idx="1">
+            <a:schemeClr val="accent1"/>
+          </a:fillRef>
+          <a:effectRef idx="0">
+            <a:schemeClr val="accent1"/>
+          </a:effectRef>
+          <a:fontRef idx="minor">
+            <a:schemeClr val="lt1"/>
+          </a:fontRef>
+        </p:style>
+        <p:txBody>
+          <a:bodyPr rtlCol="0" anchor="ctr"/>
+          <a:lstStyle/>
+          <a:p>
+            <a:pPr algn="ctr"/>
+            <a:r>
+              <a:rPr lang="en-US" altLang="zh-CN" sz="3600" dirty="0" smtClean="0">
+                <a:latin typeface="Times New Roman" panose="02020603050405020304" pitchFamily="18" charset="0"/>
+                <a:cs typeface="Times New Roman" panose="02020603050405020304" pitchFamily="18" charset="0"/>
+              </a:rPr>
+              <a:t>6</a:t>
+            </a:r>
+            <a:endParaRPr lang="zh-CN" altLang="en-US" sz="3600" dirty="0">
+              <a:latin typeface="Times New Roman" panose="02020603050405020304" pitchFamily="18" charset="0"/>
+              <a:cs typeface="Times New Roman" panose="02020603050405020304" pitchFamily="18" charset="0"/>
+            </a:endParaRPr>
+          </a:p>
+        </p:txBody>
+      </p:sp>
+      <p:sp>
+        <p:nvSpPr>
+          <p:cNvPr id="10" name="椭圆 9"/>
+          <p:cNvSpPr/>
+          <p:nvPr/>
+        </p:nvSpPr>
+        <p:spPr>
+          <a:xfrm>
+            <a:off x="7110482" y="3971497"/>
+            <a:ext cx="791571" cy="791571"/>
+          </a:xfrm>
+          <a:prstGeom prst="ellipse">
+            <a:avLst/>
+          </a:prstGeom>
+          <a:solidFill>
+            <a:schemeClr val="tx2">
+              <a:lumMod val="50000"/>
+            </a:schemeClr>
+          </a:solidFill>
+          <a:ln>
+            <a:noFill/>
+          </a:ln>
+        </p:spPr>
+        <p:style>
+          <a:lnRef idx="2">
+            <a:schemeClr val="accent1">
+              <a:shade val="50000"/>
+            </a:schemeClr>
+          </a:lnRef>
+          <a:fillRef idx="1">
+            <a:schemeClr val="accent1"/>
+          </a:fillRef>
+          <a:effectRef idx="0">
+            <a:schemeClr val="accent1"/>
+          </a:effectRef>
+          <a:fontRef idx="minor">
+            <a:schemeClr val="lt1"/>
+          </a:fontRef>
+        </p:style>
+        <p:txBody>
+          <a:bodyPr rtlCol="0" anchor="ctr"/>
+          <a:lstStyle/>
+          <a:p>
+            <a:pPr algn="ctr"/>
+            <a:r>
+              <a:rPr lang="en-US" altLang="zh-CN" sz="3600" dirty="0" smtClean="0">
+                <a:latin typeface="Times New Roman" panose="02020603050405020304" pitchFamily="18" charset="0"/>
+                <a:cs typeface="Times New Roman" panose="02020603050405020304" pitchFamily="18" charset="0"/>
+              </a:rPr>
+              <a:t>8</a:t>
+            </a:r>
+            <a:endParaRPr lang="zh-CN" altLang="en-US" sz="3600" dirty="0">
+              <a:latin typeface="Times New Roman" panose="02020603050405020304" pitchFamily="18" charset="0"/>
+              <a:cs typeface="Times New Roman" panose="02020603050405020304" pitchFamily="18" charset="0"/>
+            </a:endParaRPr>
+          </a:p>
+        </p:txBody>
+      </p:sp>
+      <p:cxnSp>
+        <p:nvCxnSpPr>
+          <p:cNvPr id="11" name="直接箭头连接符 10"/>
+          <p:cNvCxnSpPr>
+            <a:stCxn id="4" idx="3"/>
+            <a:endCxn id="5" idx="0"/>
+          </p:cNvCxnSpPr>
+          <p:nvPr/>
+        </p:nvCxnSpPr>
+        <p:spPr>
+          <a:xfrm flipH="1">
+            <a:off x="4519681" y="1794763"/>
+            <a:ext cx="907493" cy="691404"/>
+          </a:xfrm>
+          <a:prstGeom prst="straightConnector1">
+            <a:avLst/>
+          </a:prstGeom>
+          <a:ln w="38100" cap="flat" cmpd="sng" algn="ctr">
+            <a:solidFill>
+              <a:schemeClr val="tx2">
+                <a:lumMod val="75000"/>
+              </a:schemeClr>
+            </a:solidFill>
+            <a:prstDash val="solid"/>
+            <a:round/>
+            <a:headEnd type="none" w="med" len="med"/>
+            <a:tailEnd type="arrow" w="med" len="med"/>
+          </a:ln>
+        </p:spPr>
+        <p:style>
+          <a:lnRef idx="0">
+            <a:scrgbClr r="0" g="0" b="0"/>
+          </a:lnRef>
+          <a:fillRef idx="0">
+            <a:scrgbClr r="0" g="0" b="0"/>
+          </a:fillRef>
+          <a:effectRef idx="0">
+            <a:scrgbClr r="0" g="0" b="0"/>
+          </a:effectRef>
+          <a:fontRef idx="minor">
+            <a:schemeClr val="tx1"/>
+          </a:fontRef>
+        </p:style>
+      </p:cxnSp>
+      <p:cxnSp>
+        <p:nvCxnSpPr>
+          <p:cNvPr id="12" name="直接箭头连接符 11"/>
+          <p:cNvCxnSpPr>
+            <a:stCxn id="4" idx="5"/>
+            <a:endCxn id="6" idx="0"/>
+          </p:cNvCxnSpPr>
+          <p:nvPr/>
+        </p:nvCxnSpPr>
+        <p:spPr>
+          <a:xfrm>
+            <a:off x="5986899" y="1794763"/>
+            <a:ext cx="809641" cy="691403"/>
+          </a:xfrm>
+          <a:prstGeom prst="straightConnector1">
+            <a:avLst/>
+          </a:prstGeom>
+          <a:ln w="38100">
+            <a:solidFill>
+              <a:schemeClr val="tx2">
+                <a:lumMod val="75000"/>
+              </a:schemeClr>
+            </a:solidFill>
+            <a:tailEnd type="triangle"/>
+          </a:ln>
+        </p:spPr>
+        <p:style>
+          <a:lnRef idx="1">
+            <a:schemeClr val="accent1"/>
+          </a:lnRef>
+          <a:fillRef idx="0">
+            <a:schemeClr val="accent1"/>
+          </a:fillRef>
+          <a:effectRef idx="0">
+            <a:schemeClr val="accent1"/>
+          </a:effectRef>
+          <a:fontRef idx="minor">
+            <a:schemeClr val="tx1"/>
+          </a:fontRef>
+        </p:style>
+      </p:cxnSp>
+      <p:cxnSp>
+        <p:nvCxnSpPr>
+          <p:cNvPr id="13" name="直接箭头连接符 12"/>
+          <p:cNvCxnSpPr>
+            <a:stCxn id="5" idx="3"/>
+            <a:endCxn id="7" idx="0"/>
+          </p:cNvCxnSpPr>
+          <p:nvPr/>
+        </p:nvCxnSpPr>
+        <p:spPr>
+          <a:xfrm flipH="1">
+            <a:off x="3728110" y="3161815"/>
+            <a:ext cx="511708" cy="809682"/>
+          </a:xfrm>
+          <a:prstGeom prst="straightConnector1">
+            <a:avLst/>
+          </a:prstGeom>
+          <a:ln w="38100" cap="flat" cmpd="sng" algn="ctr">
+            <a:solidFill>
+              <a:schemeClr val="tx2">
+                <a:lumMod val="75000"/>
+              </a:schemeClr>
+            </a:solidFill>
+            <a:prstDash val="solid"/>
+            <a:round/>
+            <a:headEnd type="none" w="med" len="med"/>
+            <a:tailEnd type="arrow" w="med" len="med"/>
+          </a:ln>
+        </p:spPr>
+        <p:style>
+          <a:lnRef idx="0">
+            <a:scrgbClr r="0" g="0" b="0"/>
+          </a:lnRef>
+          <a:fillRef idx="0">
+            <a:scrgbClr r="0" g="0" b="0"/>
+          </a:fillRef>
+          <a:effectRef idx="0">
+            <a:scrgbClr r="0" g="0" b="0"/>
+          </a:effectRef>
+          <a:fontRef idx="minor">
+            <a:schemeClr val="tx1"/>
+          </a:fontRef>
+        </p:style>
+      </p:cxnSp>
+      <p:cxnSp>
+        <p:nvCxnSpPr>
+          <p:cNvPr id="14" name="直接箭头连接符 13"/>
+          <p:cNvCxnSpPr>
+            <a:stCxn id="6" idx="3"/>
+            <a:endCxn id="9" idx="0"/>
+          </p:cNvCxnSpPr>
+          <p:nvPr/>
+        </p:nvCxnSpPr>
+        <p:spPr>
+          <a:xfrm flipH="1">
+            <a:off x="6198356" y="3161814"/>
+            <a:ext cx="318321" cy="809683"/>
+          </a:xfrm>
+          <a:prstGeom prst="straightConnector1">
+            <a:avLst/>
+          </a:prstGeom>
+          <a:ln w="38100" cap="flat" cmpd="sng" algn="ctr">
+            <a:solidFill>
+              <a:schemeClr val="tx2">
+                <a:lumMod val="75000"/>
+              </a:schemeClr>
+            </a:solidFill>
+            <a:prstDash val="solid"/>
+            <a:round/>
+            <a:headEnd type="none" w="med" len="med"/>
+            <a:tailEnd type="arrow" w="med" len="med"/>
+          </a:ln>
+        </p:spPr>
+        <p:style>
+          <a:lnRef idx="0">
+            <a:scrgbClr r="0" g="0" b="0"/>
+          </a:lnRef>
+          <a:fillRef idx="0">
+            <a:scrgbClr r="0" g="0" b="0"/>
+          </a:fillRef>
+          <a:effectRef idx="0">
+            <a:scrgbClr r="0" g="0" b="0"/>
+          </a:effectRef>
+          <a:fontRef idx="minor">
+            <a:schemeClr val="tx1"/>
+          </a:fontRef>
+        </p:style>
+      </p:cxnSp>
+      <p:cxnSp>
+        <p:nvCxnSpPr>
+          <p:cNvPr id="15" name="直接箭头连接符 14"/>
+          <p:cNvCxnSpPr>
+            <a:stCxn id="6" idx="5"/>
+            <a:endCxn id="10" idx="0"/>
+          </p:cNvCxnSpPr>
+          <p:nvPr/>
+        </p:nvCxnSpPr>
+        <p:spPr>
+          <a:xfrm>
+            <a:off x="7076402" y="3161814"/>
+            <a:ext cx="429866" cy="809683"/>
+          </a:xfrm>
+          <a:prstGeom prst="straightConnector1">
+            <a:avLst/>
+          </a:prstGeom>
+          <a:ln w="38100" cap="flat" cmpd="sng" algn="ctr">
+            <a:solidFill>
+              <a:schemeClr val="tx2">
+                <a:lumMod val="75000"/>
+              </a:schemeClr>
+            </a:solidFill>
+            <a:prstDash val="solid"/>
+            <a:round/>
+            <a:headEnd type="none" w="med" len="med"/>
+            <a:tailEnd type="arrow" w="med" len="med"/>
+          </a:ln>
+        </p:spPr>
+        <p:style>
+          <a:lnRef idx="0">
+            <a:scrgbClr r="0" g="0" b="0"/>
+          </a:lnRef>
+          <a:fillRef idx="0">
+            <a:scrgbClr r="0" g="0" b="0"/>
+          </a:fillRef>
+          <a:effectRef idx="0">
+            <a:scrgbClr r="0" g="0" b="0"/>
+          </a:effectRef>
+          <a:fontRef idx="minor">
+            <a:schemeClr val="tx1"/>
+          </a:fontRef>
+        </p:style>
+      </p:cxnSp>
+      <p:cxnSp>
+        <p:nvCxnSpPr>
+          <p:cNvPr id="16" name="直接箭头连接符 15"/>
+          <p:cNvCxnSpPr>
+            <a:stCxn id="5" idx="5"/>
+            <a:endCxn id="8" idx="0"/>
+          </p:cNvCxnSpPr>
+          <p:nvPr/>
+        </p:nvCxnSpPr>
+        <p:spPr>
+          <a:xfrm>
+            <a:off x="4799543" y="3161815"/>
+            <a:ext cx="511709" cy="809682"/>
+          </a:xfrm>
+          <a:prstGeom prst="straightConnector1">
+            <a:avLst/>
+          </a:prstGeom>
+          <a:ln w="38100" cap="flat" cmpd="sng" algn="ctr">
+            <a:solidFill>
+              <a:schemeClr val="tx2">
+                <a:lumMod val="75000"/>
+              </a:schemeClr>
+            </a:solidFill>
+            <a:prstDash val="solid"/>
+            <a:round/>
+            <a:headEnd type="none" w="med" len="med"/>
+            <a:tailEnd type="arrow" w="med" len="med"/>
+          </a:ln>
+        </p:spPr>
+        <p:style>
+          <a:lnRef idx="0">
+            <a:scrgbClr r="0" g="0" b="0"/>
+          </a:lnRef>
+          <a:fillRef idx="0">
+            <a:scrgbClr r="0" g="0" b="0"/>
+          </a:fillRef>
+          <a:effectRef idx="0">
+            <a:scrgbClr r="0" g="0" b="0"/>
+          </a:effectRef>
+          <a:fontRef idx="minor">
+            <a:schemeClr val="tx1"/>
+          </a:fontRef>
+        </p:style>
+      </p:cxnSp>
+      <p:cxnSp>
+        <p:nvCxnSpPr>
+          <p:cNvPr id="31" name="曲线连接符 30"/>
+          <p:cNvCxnSpPr>
+            <a:stCxn id="4" idx="0"/>
+          </p:cNvCxnSpPr>
+          <p:nvPr/>
+        </p:nvCxnSpPr>
+        <p:spPr>
+          <a:xfrm rot="16200000" flipV="1">
+            <a:off x="4489560" y="-98363"/>
+            <a:ext cx="360506" cy="2074449"/>
+          </a:xfrm>
+          <a:prstGeom prst="curvedConnector2">
+            <a:avLst/>
+          </a:prstGeom>
+          <a:ln w="28575">
+            <a:solidFill>
+              <a:srgbClr val="C00000"/>
+            </a:solidFill>
+            <a:prstDash val="sysDash"/>
+            <a:tailEnd type="triangle"/>
+          </a:ln>
+        </p:spPr>
+        <p:style>
+          <a:lnRef idx="1">
+            <a:schemeClr val="accent1"/>
+          </a:lnRef>
+          <a:fillRef idx="0">
+            <a:schemeClr val="accent1"/>
+          </a:fillRef>
+          <a:effectRef idx="0">
+            <a:schemeClr val="accent1"/>
+          </a:effectRef>
+          <a:fontRef idx="minor">
+            <a:schemeClr val="tx1"/>
+          </a:fontRef>
+        </p:style>
+      </p:cxnSp>
+      <p:cxnSp>
+        <p:nvCxnSpPr>
+          <p:cNvPr id="34" name="曲线连接符 33"/>
+          <p:cNvCxnSpPr>
+            <a:stCxn id="4" idx="2"/>
+            <a:endCxn id="5" idx="1"/>
+          </p:cNvCxnSpPr>
+          <p:nvPr/>
+        </p:nvCxnSpPr>
+        <p:spPr>
+          <a:xfrm rot="10800000" flipV="1">
+            <a:off x="4239819" y="1514900"/>
+            <a:ext cx="1071433" cy="1087189"/>
+          </a:xfrm>
+          <a:prstGeom prst="curvedConnector2">
+            <a:avLst/>
+          </a:prstGeom>
+          <a:ln w="28575">
+            <a:solidFill>
+              <a:srgbClr val="00B0F0"/>
+            </a:solidFill>
+            <a:prstDash val="sysDash"/>
+            <a:tailEnd type="triangle"/>
+          </a:ln>
+        </p:spPr>
+        <p:style>
+          <a:lnRef idx="1">
+            <a:schemeClr val="accent1"/>
+          </a:lnRef>
+          <a:fillRef idx="0">
+            <a:schemeClr val="accent1"/>
+          </a:fillRef>
+          <a:effectRef idx="0">
+            <a:schemeClr val="accent1"/>
+          </a:effectRef>
+          <a:fontRef idx="minor">
+            <a:schemeClr val="tx1"/>
+          </a:fontRef>
+        </p:style>
+      </p:cxnSp>
+      <p:cxnSp>
+        <p:nvCxnSpPr>
+          <p:cNvPr id="37" name="曲线连接符 36"/>
+          <p:cNvCxnSpPr>
+            <a:stCxn id="5" idx="7"/>
+            <a:endCxn id="4" idx="4"/>
+          </p:cNvCxnSpPr>
+          <p:nvPr/>
+        </p:nvCxnSpPr>
+        <p:spPr>
+          <a:xfrm rot="5400000" flipH="1" flipV="1">
+            <a:off x="4907588" y="1802641"/>
+            <a:ext cx="691404" cy="907494"/>
+          </a:xfrm>
+          <a:prstGeom prst="curvedConnector3">
+            <a:avLst>
+              <a:gd name="adj1" fmla="val 50000"/>
+            </a:avLst>
+          </a:prstGeom>
+          <a:ln w="28575">
+            <a:solidFill>
+              <a:srgbClr val="C00000"/>
+            </a:solidFill>
+            <a:prstDash val="sysDash"/>
+            <a:tailEnd type="triangle"/>
+          </a:ln>
+        </p:spPr>
+        <p:style>
+          <a:lnRef idx="1">
+            <a:schemeClr val="accent1"/>
+          </a:lnRef>
+          <a:fillRef idx="0">
+            <a:schemeClr val="accent1"/>
+          </a:fillRef>
+          <a:effectRef idx="0">
+            <a:schemeClr val="accent1"/>
+          </a:effectRef>
+          <a:fontRef idx="minor">
+            <a:schemeClr val="tx1"/>
+          </a:fontRef>
+        </p:style>
+      </p:cxnSp>
+      <p:cxnSp>
+        <p:nvCxnSpPr>
+          <p:cNvPr id="40" name="曲线连接符 39"/>
+          <p:cNvCxnSpPr>
+            <a:stCxn id="7" idx="1"/>
+            <a:endCxn id="5" idx="2"/>
+          </p:cNvCxnSpPr>
+          <p:nvPr/>
+        </p:nvCxnSpPr>
+        <p:spPr>
+          <a:xfrm rot="5400000" flipH="1" flipV="1">
+            <a:off x="3183338" y="3146863"/>
+            <a:ext cx="1205467" cy="675648"/>
+          </a:xfrm>
+          <a:prstGeom prst="curvedConnector2">
+            <a:avLst/>
+          </a:prstGeom>
+          <a:ln w="28575">
+            <a:solidFill>
+              <a:srgbClr val="C00000"/>
+            </a:solidFill>
+            <a:prstDash val="sysDash"/>
+            <a:tailEnd type="triangle"/>
+          </a:ln>
+        </p:spPr>
+        <p:style>
+          <a:lnRef idx="1">
+            <a:schemeClr val="accent1"/>
+          </a:lnRef>
+          <a:fillRef idx="0">
+            <a:schemeClr val="accent1"/>
+          </a:fillRef>
+          <a:effectRef idx="0">
+            <a:schemeClr val="accent1"/>
+          </a:effectRef>
+          <a:fontRef idx="minor">
+            <a:schemeClr val="tx1"/>
+          </a:fontRef>
+        </p:style>
+      </p:cxnSp>
+      <p:cxnSp>
+        <p:nvCxnSpPr>
+          <p:cNvPr id="43" name="曲线连接符 42"/>
+          <p:cNvCxnSpPr>
+            <a:stCxn id="7" idx="6"/>
+            <a:endCxn id="8" idx="2"/>
+          </p:cNvCxnSpPr>
+          <p:nvPr/>
+        </p:nvCxnSpPr>
+        <p:spPr>
+          <a:xfrm>
+            <a:off x="4123895" y="4367283"/>
+            <a:ext cx="791571" cy="12700"/>
+          </a:xfrm>
+          <a:prstGeom prst="curvedConnector3">
+            <a:avLst>
+              <a:gd name="adj1" fmla="val 50000"/>
+            </a:avLst>
+          </a:prstGeom>
+          <a:ln w="28575">
+            <a:solidFill>
+              <a:srgbClr val="00B0F0"/>
+            </a:solidFill>
+            <a:prstDash val="sysDash"/>
+            <a:tailEnd type="triangle"/>
+          </a:ln>
+        </p:spPr>
+        <p:style>
+          <a:lnRef idx="1">
+            <a:schemeClr val="accent1"/>
+          </a:lnRef>
+          <a:fillRef idx="0">
+            <a:schemeClr val="accent1"/>
+          </a:fillRef>
+          <a:effectRef idx="0">
+            <a:schemeClr val="accent1"/>
+          </a:effectRef>
+          <a:fontRef idx="minor">
+            <a:schemeClr val="tx1"/>
+          </a:fontRef>
+        </p:style>
+      </p:cxnSp>
+      <p:cxnSp>
+        <p:nvCxnSpPr>
+          <p:cNvPr id="48" name="曲线连接符 47"/>
+          <p:cNvCxnSpPr>
+            <a:stCxn id="5" idx="4"/>
+            <a:endCxn id="7" idx="7"/>
+          </p:cNvCxnSpPr>
+          <p:nvPr/>
+        </p:nvCxnSpPr>
+        <p:spPr>
+          <a:xfrm rot="5400000">
+            <a:off x="3858986" y="3426725"/>
+            <a:ext cx="809682" cy="511709"/>
+          </a:xfrm>
+          <a:prstGeom prst="curvedConnector3">
+            <a:avLst>
+              <a:gd name="adj1" fmla="val 50000"/>
+            </a:avLst>
+          </a:prstGeom>
+          <a:ln w="28575">
+            <a:solidFill>
+              <a:srgbClr val="00B0F0"/>
+            </a:solidFill>
+            <a:prstDash val="sysDash"/>
+            <a:tailEnd type="triangle"/>
+          </a:ln>
+        </p:spPr>
+        <p:style>
+          <a:lnRef idx="1">
+            <a:schemeClr val="accent1"/>
+          </a:lnRef>
+          <a:fillRef idx="0">
+            <a:schemeClr val="accent1"/>
+          </a:fillRef>
+          <a:effectRef idx="0">
+            <a:schemeClr val="accent1"/>
+          </a:effectRef>
+          <a:fontRef idx="minor">
+            <a:schemeClr val="tx1"/>
+          </a:fontRef>
+        </p:style>
+      </p:cxnSp>
+      <p:cxnSp>
+        <p:nvCxnSpPr>
+          <p:cNvPr id="53" name="曲线连接符 52"/>
+          <p:cNvCxnSpPr>
+            <a:stCxn id="8" idx="3"/>
+            <a:endCxn id="7" idx="5"/>
+          </p:cNvCxnSpPr>
+          <p:nvPr/>
+        </p:nvCxnSpPr>
+        <p:spPr>
+          <a:xfrm rot="5400000">
+            <a:off x="4519681" y="4135437"/>
+            <a:ext cx="12700" cy="1023417"/>
+          </a:xfrm>
+          <a:prstGeom prst="curvedConnector3">
+            <a:avLst>
+              <a:gd name="adj1" fmla="val 2712780"/>
+            </a:avLst>
+          </a:prstGeom>
+          <a:ln w="28575">
+            <a:solidFill>
+              <a:srgbClr val="C00000"/>
+            </a:solidFill>
+            <a:prstDash val="sysDash"/>
+            <a:tailEnd type="triangle"/>
+          </a:ln>
+        </p:spPr>
+        <p:style>
+          <a:lnRef idx="1">
+            <a:schemeClr val="accent1"/>
+          </a:lnRef>
+          <a:fillRef idx="0">
+            <a:schemeClr val="accent1"/>
+          </a:fillRef>
+          <a:effectRef idx="0">
+            <a:schemeClr val="accent1"/>
+          </a:effectRef>
+          <a:fontRef idx="minor">
+            <a:schemeClr val="tx1"/>
+          </a:fontRef>
+        </p:style>
+      </p:cxnSp>
+      <p:cxnSp>
+        <p:nvCxnSpPr>
+          <p:cNvPr id="56" name="曲线连接符 55"/>
+          <p:cNvCxnSpPr>
+            <a:stCxn id="8" idx="7"/>
+            <a:endCxn id="6" idx="2"/>
+          </p:cNvCxnSpPr>
+          <p:nvPr/>
+        </p:nvCxnSpPr>
+        <p:spPr>
+          <a:xfrm rot="5400000" flipH="1" flipV="1">
+            <a:off x="5393200" y="3079866"/>
+            <a:ext cx="1205468" cy="809640"/>
+          </a:xfrm>
+          <a:prstGeom prst="curvedConnector2">
+            <a:avLst/>
+          </a:prstGeom>
+          <a:ln w="28575">
+            <a:solidFill>
+              <a:srgbClr val="00B0F0"/>
+            </a:solidFill>
+            <a:prstDash val="sysDash"/>
+            <a:tailEnd type="triangle"/>
+          </a:ln>
+        </p:spPr>
+        <p:style>
+          <a:lnRef idx="1">
+            <a:schemeClr val="accent1"/>
+          </a:lnRef>
+          <a:fillRef idx="0">
+            <a:schemeClr val="accent1"/>
+          </a:fillRef>
+          <a:effectRef idx="0">
+            <a:schemeClr val="accent1"/>
+          </a:effectRef>
+          <a:fontRef idx="minor">
+            <a:schemeClr val="tx1"/>
+          </a:fontRef>
+        </p:style>
+      </p:cxnSp>
+      <p:cxnSp>
+        <p:nvCxnSpPr>
+          <p:cNvPr id="59" name="曲线连接符 58"/>
+          <p:cNvCxnSpPr>
+            <a:stCxn id="6" idx="1"/>
+            <a:endCxn id="8" idx="0"/>
+          </p:cNvCxnSpPr>
+          <p:nvPr/>
+        </p:nvCxnSpPr>
+        <p:spPr>
+          <a:xfrm rot="16200000" flipH="1" flipV="1">
+            <a:off x="5229261" y="2684080"/>
+            <a:ext cx="1369408" cy="1205425"/>
+          </a:xfrm>
+          <a:prstGeom prst="curvedConnector3">
+            <a:avLst>
+              <a:gd name="adj1" fmla="val -25159"/>
+            </a:avLst>
+          </a:prstGeom>
+          <a:ln w="28575">
+            <a:solidFill>
+              <a:srgbClr val="C00000"/>
+            </a:solidFill>
+            <a:prstDash val="sysDash"/>
+            <a:tailEnd type="triangle"/>
+          </a:ln>
+        </p:spPr>
+        <p:style>
+          <a:lnRef idx="1">
+            <a:schemeClr val="accent1"/>
+          </a:lnRef>
+          <a:fillRef idx="0">
+            <a:schemeClr val="accent1"/>
+          </a:fillRef>
+          <a:effectRef idx="0">
+            <a:schemeClr val="accent1"/>
+          </a:effectRef>
+          <a:fontRef idx="minor">
+            <a:schemeClr val="tx1"/>
+          </a:fontRef>
+        </p:style>
+      </p:cxnSp>
+      <p:cxnSp>
+        <p:nvCxnSpPr>
+          <p:cNvPr id="62" name="曲线连接符 61"/>
+          <p:cNvCxnSpPr>
+            <a:stCxn id="6" idx="2"/>
+            <a:endCxn id="9" idx="1"/>
+          </p:cNvCxnSpPr>
+          <p:nvPr/>
+        </p:nvCxnSpPr>
+        <p:spPr>
+          <a:xfrm rot="10800000" flipV="1">
+            <a:off x="5918494" y="2881952"/>
+            <a:ext cx="482261" cy="1205468"/>
+          </a:xfrm>
+          <a:prstGeom prst="curvedConnector2">
+            <a:avLst/>
+          </a:prstGeom>
+          <a:ln w="28575">
+            <a:solidFill>
+              <a:srgbClr val="00B0F0"/>
+            </a:solidFill>
+            <a:prstDash val="sysDash"/>
+            <a:tailEnd type="triangle"/>
+          </a:ln>
+        </p:spPr>
+        <p:style>
+          <a:lnRef idx="1">
+            <a:schemeClr val="accent1"/>
+          </a:lnRef>
+          <a:fillRef idx="0">
+            <a:schemeClr val="accent1"/>
+          </a:fillRef>
+          <a:effectRef idx="0">
+            <a:schemeClr val="accent1"/>
+          </a:effectRef>
+          <a:fontRef idx="minor">
+            <a:schemeClr val="tx1"/>
+          </a:fontRef>
+        </p:style>
+      </p:cxnSp>
+      <p:cxnSp>
+        <p:nvCxnSpPr>
+          <p:cNvPr id="67" name="曲线连接符 66"/>
+          <p:cNvCxnSpPr>
+            <a:stCxn id="9" idx="6"/>
+            <a:endCxn id="6" idx="4"/>
+          </p:cNvCxnSpPr>
+          <p:nvPr/>
+        </p:nvCxnSpPr>
+        <p:spPr>
+          <a:xfrm flipV="1">
+            <a:off x="6594141" y="3277737"/>
+            <a:ext cx="202399" cy="1089546"/>
+          </a:xfrm>
+          <a:prstGeom prst="curvedConnector2">
+            <a:avLst/>
+          </a:prstGeom>
+          <a:ln w="28575">
+            <a:solidFill>
+              <a:srgbClr val="C00000"/>
+            </a:solidFill>
+            <a:prstDash val="sysDash"/>
+            <a:tailEnd type="triangle"/>
+          </a:ln>
+        </p:spPr>
+        <p:style>
+          <a:lnRef idx="1">
+            <a:schemeClr val="accent1"/>
+          </a:lnRef>
+          <a:fillRef idx="0">
+            <a:schemeClr val="accent1"/>
+          </a:fillRef>
+          <a:effectRef idx="0">
+            <a:schemeClr val="accent1"/>
+          </a:effectRef>
+          <a:fontRef idx="minor">
+            <a:schemeClr val="tx1"/>
+          </a:fontRef>
+        </p:style>
+      </p:cxnSp>
+      <p:cxnSp>
+        <p:nvCxnSpPr>
+          <p:cNvPr id="70" name="曲线连接符 69"/>
+          <p:cNvCxnSpPr>
+            <a:stCxn id="9" idx="6"/>
+            <a:endCxn id="10" idx="2"/>
+          </p:cNvCxnSpPr>
+          <p:nvPr/>
+        </p:nvCxnSpPr>
+        <p:spPr>
+          <a:xfrm>
+            <a:off x="6594141" y="4367283"/>
+            <a:ext cx="516341" cy="12700"/>
+          </a:xfrm>
+          <a:prstGeom prst="curvedConnector3">
+            <a:avLst>
+              <a:gd name="adj1" fmla="val 50000"/>
+            </a:avLst>
+          </a:prstGeom>
+          <a:ln w="28575">
+            <a:solidFill>
+              <a:srgbClr val="00B0F0"/>
+            </a:solidFill>
+            <a:prstDash val="sysDash"/>
+            <a:tailEnd type="triangle"/>
+          </a:ln>
+        </p:spPr>
+        <p:style>
+          <a:lnRef idx="1">
+            <a:schemeClr val="accent1"/>
+          </a:lnRef>
+          <a:fillRef idx="0">
+            <a:schemeClr val="accent1"/>
+          </a:fillRef>
+          <a:effectRef idx="0">
+            <a:schemeClr val="accent1"/>
+          </a:effectRef>
+          <a:fontRef idx="minor">
+            <a:schemeClr val="tx1"/>
+          </a:fontRef>
+        </p:style>
+      </p:cxnSp>
+      <p:cxnSp>
+        <p:nvCxnSpPr>
+          <p:cNvPr id="73" name="曲线连接符 72"/>
+          <p:cNvCxnSpPr>
+            <a:stCxn id="10" idx="6"/>
+          </p:cNvCxnSpPr>
+          <p:nvPr/>
+        </p:nvCxnSpPr>
+        <p:spPr>
+          <a:xfrm>
+            <a:off x="7902053" y="4367283"/>
+            <a:ext cx="1132765" cy="1205468"/>
+          </a:xfrm>
+          <a:prstGeom prst="curvedConnector2">
+            <a:avLst/>
+          </a:prstGeom>
+          <a:ln w="28575">
+            <a:solidFill>
+              <a:srgbClr val="00B0F0"/>
+            </a:solidFill>
+            <a:prstDash val="sysDash"/>
+            <a:tailEnd type="triangle"/>
+          </a:ln>
+        </p:spPr>
+        <p:style>
+          <a:lnRef idx="1">
+            <a:schemeClr val="accent1"/>
+          </a:lnRef>
+          <a:fillRef idx="0">
+            <a:schemeClr val="accent1"/>
+          </a:fillRef>
+          <a:effectRef idx="0">
+            <a:schemeClr val="accent1"/>
+          </a:effectRef>
+          <a:fontRef idx="minor">
+            <a:schemeClr val="tx1"/>
+          </a:fontRef>
+        </p:style>
+      </p:cxnSp>
+      <p:cxnSp>
+        <p:nvCxnSpPr>
+          <p:cNvPr id="76" name="曲线连接符 75"/>
+          <p:cNvCxnSpPr>
+            <a:stCxn id="10" idx="3"/>
+            <a:endCxn id="9" idx="4"/>
+          </p:cNvCxnSpPr>
+          <p:nvPr/>
+        </p:nvCxnSpPr>
+        <p:spPr>
+          <a:xfrm rot="5400000">
+            <a:off x="6654420" y="4191082"/>
+            <a:ext cx="115923" cy="1028049"/>
+          </a:xfrm>
+          <a:prstGeom prst="curvedConnector3">
+            <a:avLst>
+              <a:gd name="adj1" fmla="val 297200"/>
+            </a:avLst>
+          </a:prstGeom>
+          <a:ln w="28575">
+            <a:solidFill>
+              <a:srgbClr val="C00000"/>
+            </a:solidFill>
+            <a:prstDash val="sysDash"/>
+            <a:tailEnd type="triangle"/>
+          </a:ln>
+        </p:spPr>
+        <p:style>
+          <a:lnRef idx="1">
+            <a:schemeClr val="accent1"/>
+          </a:lnRef>
+          <a:fillRef idx="0">
+            <a:schemeClr val="accent1"/>
+          </a:fillRef>
+          <a:effectRef idx="0">
+            <a:schemeClr val="accent1"/>
+          </a:effectRef>
+          <a:fontRef idx="minor">
+            <a:schemeClr val="tx1"/>
+          </a:fontRef>
+        </p:style>
+      </p:cxnSp>
+    </p:spTree>
+    <p:extLst>
+      <p:ext uri="{BB962C8B-B14F-4D97-AF65-F5344CB8AC3E}">
+        <p14:creationId xmlns:p14="http://schemas.microsoft.com/office/powerpoint/2010/main" val="54857113"/>
+      </p:ext>
+    </p:extLst>
+  </p:cSld>
+  <p:clrMapOvr>
+    <a:masterClrMapping/>
+  </p:clrMapOvr>
+</p:sld>
+</file>
+
 <file path=ppt/slides/slide3.xml><?xml version="1.0" encoding="utf-8"?>
 <p:sld xmlns:a="http://schemas.openxmlformats.org/drawingml/2006/main" xmlns:r="http://schemas.openxmlformats.org/officeDocument/2006/relationships" xmlns:p="http://schemas.openxmlformats.org/presentationml/2006/main">
   <p:cSld>
